--- a/TestingAndBestPractices.pptx
+++ b/TestingAndBestPractices.pptx
@@ -3430,7 +3430,7 @@
           <a:effectLst/>
           <a:extLst>
             <a:ext uri="{91240B29-F687-4f45-9708-019B960494DF}">
-              <a14:hiddenLine xmlns:a14="http://schemas.microsoft.com/office/drawing/2010/main" xmlns="" w="9525">
+              <a14:hiddenLine xmlns="" xmlns:a14="http://schemas.microsoft.com/office/drawing/2010/main" w="9525">
                 <a:solidFill>
                   <a:srgbClr val="000000"/>
                 </a:solidFill>
@@ -3623,7 +3623,7 @@
             <a:fld id="{08B9EBBA-996F-894A-B54A-D6246ED52CEA}" type="datetimeFigureOut">
               <a:rPr lang="en-US" dirty="0"/>
               <a:pPr/>
-              <a:t>3/15/2020</a:t>
+              <a:t>3/17/2020</a:t>
             </a:fld>
             <a:endParaRPr lang="en-US" dirty="0"/>
           </a:p>
@@ -3938,7 +3938,7 @@
             <a:fld id="{18C79C5D-2A6F-F04D-97DA-BEF2467B64E4}" type="datetimeFigureOut">
               <a:rPr lang="en-US" dirty="0"/>
               <a:pPr/>
-              <a:t>3/15/2020</a:t>
+              <a:t>3/17/2020</a:t>
             </a:fld>
             <a:endParaRPr lang="en-US" dirty="0"/>
           </a:p>
@@ -4423,7 +4423,7 @@
             <a:fld id="{8DFA1846-DA80-1C48-A609-854EA85C59AD}" type="datetimeFigureOut">
               <a:rPr lang="en-US" dirty="0"/>
               <a:pPr/>
-              <a:t>3/15/2020</a:t>
+              <a:t>3/17/2020</a:t>
             </a:fld>
             <a:endParaRPr lang="en-US" dirty="0"/>
           </a:p>
@@ -4789,7 +4789,7 @@
             <a:fld id="{FBF54567-0DE4-3F47-BF90-CB84690072F9}" type="datetimeFigureOut">
               <a:rPr lang="en-US" dirty="0"/>
               <a:pPr/>
-              <a:t>3/15/2020</a:t>
+              <a:t>3/17/2020</a:t>
             </a:fld>
             <a:endParaRPr lang="en-US" dirty="0"/>
           </a:p>
@@ -4940,7 +4940,7 @@
           <a:ln/>
           <a:extLst>
             <a:ext uri="{91240B29-F687-4f45-9708-019B960494DF}">
-              <a14:hiddenLine xmlns:a14="http://schemas.microsoft.com/office/drawing/2010/main" xmlns="" w="9525">
+              <a14:hiddenLine xmlns="" xmlns:a14="http://schemas.microsoft.com/office/drawing/2010/main" w="9525">
                 <a:solidFill>
                   <a:srgbClr val="000000"/>
                 </a:solidFill>
@@ -5059,7 +5059,7 @@
             <a:fld id="{C6C52C72-DE31-F449-A4ED-4C594FD91407}" type="datetimeFigureOut">
               <a:rPr lang="en-US" dirty="0"/>
               <a:pPr/>
-              <a:t>3/15/2020</a:t>
+              <a:t>3/17/2020</a:t>
             </a:fld>
             <a:endParaRPr lang="en-US" dirty="0"/>
           </a:p>
@@ -5212,7 +5212,7 @@
           <a:ln/>
           <a:extLst>
             <a:ext uri="{91240B29-F687-4f45-9708-019B960494DF}">
-              <a14:hiddenLine xmlns:a14="http://schemas.microsoft.com/office/drawing/2010/main" xmlns="" w="9525">
+              <a14:hiddenLine xmlns="" xmlns:a14="http://schemas.microsoft.com/office/drawing/2010/main" w="9525">
                 <a:solidFill>
                   <a:srgbClr val="000000"/>
                 </a:solidFill>
@@ -5341,7 +5341,7 @@
             <a:fld id="{ED62726E-379B-B349-9EED-81ED093FA806}" type="datetimeFigureOut">
               <a:rPr lang="en-US" dirty="0"/>
               <a:pPr/>
-              <a:t>3/15/2020</a:t>
+              <a:t>3/17/2020</a:t>
             </a:fld>
             <a:endParaRPr lang="en-US" dirty="0"/>
           </a:p>
@@ -5492,7 +5492,7 @@
           <a:ln/>
           <a:extLst>
             <a:ext uri="{91240B29-F687-4f45-9708-019B960494DF}">
-              <a14:hiddenLine xmlns:a14="http://schemas.microsoft.com/office/drawing/2010/main" xmlns="" w="9525">
+              <a14:hiddenLine xmlns="" xmlns:a14="http://schemas.microsoft.com/office/drawing/2010/main" w="9525">
                 <a:solidFill>
                   <a:srgbClr val="000000"/>
                 </a:solidFill>
@@ -5621,7 +5621,7 @@
             <a:fld id="{9B3A1323-8D79-1946-B0D7-40001CF92E9D}" type="datetimeFigureOut">
               <a:rPr lang="en-US" dirty="0"/>
               <a:pPr/>
-              <a:t>3/15/2020</a:t>
+              <a:t>3/17/2020</a:t>
             </a:fld>
             <a:endParaRPr lang="en-US" dirty="0"/>
           </a:p>
@@ -5961,7 +5961,7 @@
             <a:fld id="{8DFA1846-DA80-1C48-A609-854EA85C59AD}" type="datetimeFigureOut">
               <a:rPr lang="en-US" dirty="0"/>
               <a:pPr/>
-              <a:t>3/15/2020</a:t>
+              <a:t>3/17/2020</a:t>
             </a:fld>
             <a:endParaRPr lang="en-US" dirty="0"/>
           </a:p>
@@ -6112,7 +6112,7 @@
           <a:ln/>
           <a:extLst>
             <a:ext uri="{91240B29-F687-4f45-9708-019B960494DF}">
-              <a14:hiddenLine xmlns:a14="http://schemas.microsoft.com/office/drawing/2010/main" xmlns="" w="9525">
+              <a14:hiddenLine xmlns="" xmlns:a14="http://schemas.microsoft.com/office/drawing/2010/main" w="9525">
                 <a:solidFill>
                   <a:srgbClr val="000000"/>
                 </a:solidFill>
@@ -6297,7 +6297,7 @@
             <a:fld id="{57302355-E14B-8545-A8F8-0FE83CC9D524}" type="datetimeFigureOut">
               <a:rPr lang="en-US" dirty="0"/>
               <a:pPr/>
-              <a:t>3/15/2020</a:t>
+              <a:t>3/17/2020</a:t>
             </a:fld>
             <a:endParaRPr lang="en-US" dirty="0"/>
           </a:p>
@@ -6448,7 +6448,7 @@
           <a:ln/>
           <a:extLst>
             <a:ext uri="{91240B29-F687-4f45-9708-019B960494DF}">
-              <a14:hiddenLine xmlns:a14="http://schemas.microsoft.com/office/drawing/2010/main" xmlns="" w="9525">
+              <a14:hiddenLine xmlns="" xmlns:a14="http://schemas.microsoft.com/office/drawing/2010/main" w="9525">
                 <a:solidFill>
                   <a:srgbClr val="000000"/>
                 </a:solidFill>
@@ -6771,7 +6771,7 @@
             <a:fld id="{02640F58-564D-2B4F-AE67-E407BA4FCF45}" type="datetimeFigureOut">
               <a:rPr lang="en-US" dirty="0"/>
               <a:pPr/>
-              <a:t>3/15/2020</a:t>
+              <a:t>3/17/2020</a:t>
             </a:fld>
             <a:endParaRPr lang="en-US" dirty="0"/>
           </a:p>
@@ -6922,7 +6922,7 @@
           <a:ln/>
           <a:extLst>
             <a:ext uri="{91240B29-F687-4f45-9708-019B960494DF}">
-              <a14:hiddenLine xmlns:a14="http://schemas.microsoft.com/office/drawing/2010/main" xmlns="" w="9525">
+              <a14:hiddenLine xmlns="" xmlns:a14="http://schemas.microsoft.com/office/drawing/2010/main" w="9525">
                 <a:solidFill>
                   <a:srgbClr val="000000"/>
                 </a:solidFill>
@@ -6989,7 +6989,7 @@
             <a:fld id="{F13A34C8-038E-2045-AF43-DF7DBB8E0E9E}" type="datetimeFigureOut">
               <a:rPr lang="en-US" dirty="0"/>
               <a:pPr/>
-              <a:t>3/15/2020</a:t>
+              <a:t>3/17/2020</a:t>
             </a:fld>
             <a:endParaRPr lang="en-US" dirty="0"/>
           </a:p>
@@ -7081,7 +7081,7 @@
             <a:fld id="{8818C68F-D26B-8F47-958C-23B49CF8A634}" type="datetimeFigureOut">
               <a:rPr lang="en-US" dirty="0"/>
               <a:pPr/>
-              <a:t>3/15/2020</a:t>
+              <a:t>3/17/2020</a:t>
             </a:fld>
             <a:endParaRPr lang="en-US" dirty="0"/>
           </a:p>
@@ -7345,7 +7345,7 @@
           <a:ln/>
           <a:extLst>
             <a:ext uri="{91240B29-F687-4f45-9708-019B960494DF}">
-              <a14:hiddenLine xmlns:a14="http://schemas.microsoft.com/office/drawing/2010/main" xmlns="" w="9525">
+              <a14:hiddenLine xmlns="" xmlns:a14="http://schemas.microsoft.com/office/drawing/2010/main" w="9525">
                 <a:solidFill>
                   <a:srgbClr val="000000"/>
                 </a:solidFill>
@@ -7545,7 +7545,7 @@
             <a:fld id="{D0DF5E60-9974-AC48-9591-99C2BB44B7CF}" type="datetimeFigureOut">
               <a:rPr lang="en-US" dirty="0"/>
               <a:pPr/>
-              <a:t>3/15/2020</a:t>
+              <a:t>3/17/2020</a:t>
             </a:fld>
             <a:endParaRPr lang="en-US" dirty="0"/>
           </a:p>
@@ -7855,7 +7855,7 @@
             <a:fld id="{18C79C5D-2A6F-F04D-97DA-BEF2467B64E4}" type="datetimeFigureOut">
               <a:rPr lang="en-US" dirty="0"/>
               <a:pPr/>
-              <a:t>3/15/2020</a:t>
+              <a:t>3/17/2020</a:t>
             </a:fld>
             <a:endParaRPr lang="en-US" dirty="0"/>
           </a:p>
@@ -8125,7 +8125,7 @@
             <a:fld id="{09B482E8-6E0E-1B4F-B1FD-C69DB9E858D9}" type="datetimeFigureOut">
               <a:rPr lang="en-US" dirty="0"/>
               <a:pPr/>
-              <a:t>3/15/2020</a:t>
+              <a:t>3/17/2020</a:t>
             </a:fld>
             <a:endParaRPr lang="en-US" dirty="0"/>
           </a:p>
@@ -45608,8 +45608,8 @@
         </p:nvSpPr>
         <p:spPr>
           <a:xfrm>
-            <a:off x="3015606" y="2542358"/>
-            <a:ext cx="8155977" cy="3170099"/>
+            <a:off x="3250498" y="1703459"/>
+            <a:ext cx="8155977" cy="3600986"/>
           </a:xfrm>
           <a:prstGeom prst="rect">
             <a:avLst/>
@@ -45801,17 +45801,27 @@
             </a:pPr>
             <a:r>
               <a:rPr lang="en-US" sz="1400" dirty="0">
+                <a:solidFill>
+                  <a:schemeClr val="bg1"/>
+                </a:solidFill>
                 <a:hlinkClick r:id="rId8"/>
               </a:rPr>
               <a:t>https://</a:t>
             </a:r>
             <a:r>
               <a:rPr lang="en-US" sz="1400" dirty="0" smtClean="0">
+                <a:solidFill>
+                  <a:schemeClr val="bg1"/>
+                </a:solidFill>
                 <a:hlinkClick r:id="rId8"/>
               </a:rPr>
               <a:t>github.com/nreco/lambdaparser</a:t>
             </a:r>
-            <a:endParaRPr lang="en-US" sz="1400" dirty="0" smtClean="0"/>
+            <a:endParaRPr lang="en-US" sz="1400" dirty="0" smtClean="0">
+              <a:solidFill>
+                <a:schemeClr val="bg1"/>
+              </a:solidFill>
+            </a:endParaRPr>
           </a:p>
           <a:p>
             <a:pPr marL="285750" indent="-285750">
@@ -45820,17 +45830,27 @@
             </a:pPr>
             <a:r>
               <a:rPr lang="en-US" sz="1400" dirty="0">
+                <a:solidFill>
+                  <a:schemeClr val="bg1"/>
+                </a:solidFill>
                 <a:hlinkClick r:id="rId9"/>
               </a:rPr>
               <a:t>https://</a:t>
             </a:r>
             <a:r>
               <a:rPr lang="en-US" sz="1400" dirty="0" smtClean="0">
+                <a:solidFill>
+                  <a:schemeClr val="bg1"/>
+                </a:solidFill>
                 <a:hlinkClick r:id="rId9"/>
               </a:rPr>
               <a:t>github.com/StefH/System.Linq.Dynamic.Core</a:t>
             </a:r>
-            <a:endParaRPr lang="en-US" sz="1400" dirty="0" smtClean="0"/>
+            <a:endParaRPr lang="en-US" sz="1400" dirty="0" smtClean="0">
+              <a:solidFill>
+                <a:schemeClr val="bg1"/>
+              </a:solidFill>
+            </a:endParaRPr>
           </a:p>
           <a:p>
             <a:pPr marL="285750" indent="-285750">
@@ -45839,17 +45859,27 @@
             </a:pPr>
             <a:r>
               <a:rPr lang="en-US" sz="1400" dirty="0">
+                <a:solidFill>
+                  <a:schemeClr val="bg1"/>
+                </a:solidFill>
                 <a:hlinkClick r:id="rId10"/>
               </a:rPr>
               <a:t>https://</a:t>
             </a:r>
             <a:r>
               <a:rPr lang="en-US" sz="1400" dirty="0" smtClean="0">
+                <a:solidFill>
+                  <a:schemeClr val="bg1"/>
+                </a:solidFill>
                 <a:hlinkClick r:id="rId10"/>
               </a:rPr>
               <a:t>github.com/LightBDD/LightBDD</a:t>
             </a:r>
-            <a:endParaRPr lang="en-US" sz="1400" dirty="0" smtClean="0"/>
+            <a:endParaRPr lang="en-US" sz="1400" dirty="0" smtClean="0">
+              <a:solidFill>
+                <a:schemeClr val="bg1"/>
+              </a:solidFill>
+            </a:endParaRPr>
           </a:p>
           <a:p>
             <a:pPr marL="285750" indent="-285750">
@@ -45858,11 +45888,76 @@
             </a:pPr>
             <a:r>
               <a:rPr lang="en-US" sz="1400" dirty="0">
+                <a:solidFill>
+                  <a:schemeClr val="bg1"/>
+                </a:solidFill>
                 <a:hlinkClick r:id="rId11"/>
               </a:rPr>
-              <a:t>https://github.com/danielgerlag/workflow-core</a:t>
-            </a:r>
-            <a:endParaRPr lang="en-US" sz="1400" dirty="0" smtClean="0"/>
+              <a:t>https://</a:t>
+            </a:r>
+            <a:r>
+              <a:rPr lang="en-US" sz="1400" dirty="0" smtClean="0">
+                <a:solidFill>
+                  <a:schemeClr val="bg1"/>
+                </a:solidFill>
+                <a:hlinkClick r:id="rId11"/>
+              </a:rPr>
+              <a:t>github.com/danielgerlag/workflow-core</a:t>
+            </a:r>
+            <a:endParaRPr lang="en-US" sz="1400" dirty="0" smtClean="0">
+              <a:solidFill>
+                <a:schemeClr val="bg1"/>
+              </a:solidFill>
+            </a:endParaRPr>
+          </a:p>
+          <a:p>
+            <a:pPr marL="285750" indent="-285750">
+              <a:buFont typeface="Arial" panose="020B0604020202020204" pitchFamily="34" charset="0"/>
+              <a:buChar char="•"/>
+            </a:pPr>
+            <a:r>
+              <a:rPr lang="en-US" sz="1400" dirty="0">
+                <a:solidFill>
+                  <a:schemeClr val="bg1"/>
+                </a:solidFill>
+                <a:hlinkClick r:id="rId12"/>
+              </a:rPr>
+              <a:t>https://</a:t>
+            </a:r>
+            <a:r>
+              <a:rPr lang="en-US" sz="1400" dirty="0" smtClean="0">
+                <a:solidFill>
+                  <a:schemeClr val="bg1"/>
+                </a:solidFill>
+                <a:hlinkClick r:id="rId12"/>
+              </a:rPr>
+              <a:t>github.com/zzzprojects/html-agility-pack</a:t>
+            </a:r>
+            <a:endParaRPr lang="en-US" sz="1400" dirty="0" smtClean="0">
+              <a:solidFill>
+                <a:schemeClr val="bg1"/>
+              </a:solidFill>
+            </a:endParaRPr>
+          </a:p>
+          <a:p>
+            <a:pPr marL="285750" indent="-285750">
+              <a:buFont typeface="Arial" panose="020B0604020202020204" pitchFamily="34" charset="0"/>
+              <a:buChar char="•"/>
+            </a:pPr>
+            <a:r>
+              <a:rPr lang="en-US" sz="1400" dirty="0">
+                <a:solidFill>
+                  <a:schemeClr val="bg1"/>
+                </a:solidFill>
+                <a:hlinkClick r:id="rId13"/>
+              </a:rPr>
+              <a:t>https://github.com/AngleSharp/AngleSharp</a:t>
+            </a:r>
+            <a:endParaRPr lang="en-US" sz="1400" dirty="0" smtClean="0">
+              <a:solidFill>
+                <a:schemeClr val="bg1"/>
+              </a:solidFill>
+            </a:endParaRPr>
           </a:p>
           <a:p>
             <a:pPr marL="285750" indent="-285750">
